--- a/OCR.pptx
+++ b/OCR.pptx
@@ -21,6 +21,7 @@
     <p:sldId id="271" r:id="rId15"/>
     <p:sldId id="272" r:id="rId16"/>
     <p:sldId id="273" r:id="rId17"/>
+    <p:sldId id="279" r:id="rId18"/>
   </p:sldIdLst>
   <p:sldSz cx="12192000" cy="6858000"/>
   <p:notesSz cx="6858000" cy="9144000"/>
@@ -2861,7 +2862,7 @@
                 <a:schemeClr val="tx1"/>
               </a:solidFill>
             </a:rPr>
-            <a:t>Law</a:t>
+            <a:t>LAW</a:t>
           </a:r>
         </a:p>
         <a:p>
@@ -4424,7 +4425,7 @@
                 <a:schemeClr val="tx1"/>
               </a:solidFill>
             </a:rPr>
-            <a:t>Law</a:t>
+            <a:t>LAW</a:t>
           </a:r>
         </a:p>
         <a:p>
@@ -10011,7 +10012,7 @@
           <a:p>
             <a:fld id="{C0905E7C-FBCB-4579-B7F7-915C74052161}" type="datetimeFigureOut">
               <a:rPr lang="en-IN" smtClean="0"/>
-              <a:t>07-02-2020</a:t>
+              <a:t>08-02-2020</a:t>
             </a:fld>
             <a:endParaRPr lang="en-IN"/>
           </a:p>
@@ -10211,7 +10212,7 @@
           <a:p>
             <a:fld id="{C0905E7C-FBCB-4579-B7F7-915C74052161}" type="datetimeFigureOut">
               <a:rPr lang="en-IN" smtClean="0"/>
-              <a:t>07-02-2020</a:t>
+              <a:t>08-02-2020</a:t>
             </a:fld>
             <a:endParaRPr lang="en-IN"/>
           </a:p>
@@ -10421,7 +10422,7 @@
           <a:p>
             <a:fld id="{C0905E7C-FBCB-4579-B7F7-915C74052161}" type="datetimeFigureOut">
               <a:rPr lang="en-IN" smtClean="0"/>
-              <a:t>07-02-2020</a:t>
+              <a:t>08-02-2020</a:t>
             </a:fld>
             <a:endParaRPr lang="en-IN"/>
           </a:p>
@@ -10621,7 +10622,7 @@
           <a:p>
             <a:fld id="{C0905E7C-FBCB-4579-B7F7-915C74052161}" type="datetimeFigureOut">
               <a:rPr lang="en-IN" smtClean="0"/>
-              <a:t>07-02-2020</a:t>
+              <a:t>08-02-2020</a:t>
             </a:fld>
             <a:endParaRPr lang="en-IN"/>
           </a:p>
@@ -10897,7 +10898,7 @@
           <a:p>
             <a:fld id="{C0905E7C-FBCB-4579-B7F7-915C74052161}" type="datetimeFigureOut">
               <a:rPr lang="en-IN" smtClean="0"/>
-              <a:t>07-02-2020</a:t>
+              <a:t>08-02-2020</a:t>
             </a:fld>
             <a:endParaRPr lang="en-IN"/>
           </a:p>
@@ -11165,7 +11166,7 @@
           <a:p>
             <a:fld id="{C0905E7C-FBCB-4579-B7F7-915C74052161}" type="datetimeFigureOut">
               <a:rPr lang="en-IN" smtClean="0"/>
-              <a:t>07-02-2020</a:t>
+              <a:t>08-02-2020</a:t>
             </a:fld>
             <a:endParaRPr lang="en-IN"/>
           </a:p>
@@ -11580,7 +11581,7 @@
           <a:p>
             <a:fld id="{C0905E7C-FBCB-4579-B7F7-915C74052161}" type="datetimeFigureOut">
               <a:rPr lang="en-IN" smtClean="0"/>
-              <a:t>07-02-2020</a:t>
+              <a:t>08-02-2020</a:t>
             </a:fld>
             <a:endParaRPr lang="en-IN"/>
           </a:p>
@@ -11722,7 +11723,7 @@
           <a:p>
             <a:fld id="{C0905E7C-FBCB-4579-B7F7-915C74052161}" type="datetimeFigureOut">
               <a:rPr lang="en-IN" smtClean="0"/>
-              <a:t>07-02-2020</a:t>
+              <a:t>08-02-2020</a:t>
             </a:fld>
             <a:endParaRPr lang="en-IN"/>
           </a:p>
@@ -11835,7 +11836,7 @@
           <a:p>
             <a:fld id="{C0905E7C-FBCB-4579-B7F7-915C74052161}" type="datetimeFigureOut">
               <a:rPr lang="en-IN" smtClean="0"/>
-              <a:t>07-02-2020</a:t>
+              <a:t>08-02-2020</a:t>
             </a:fld>
             <a:endParaRPr lang="en-IN"/>
           </a:p>
@@ -12148,7 +12149,7 @@
           <a:p>
             <a:fld id="{C0905E7C-FBCB-4579-B7F7-915C74052161}" type="datetimeFigureOut">
               <a:rPr lang="en-IN" smtClean="0"/>
-              <a:t>07-02-2020</a:t>
+              <a:t>08-02-2020</a:t>
             </a:fld>
             <a:endParaRPr lang="en-IN"/>
           </a:p>
@@ -12437,7 +12438,7 @@
           <a:p>
             <a:fld id="{C0905E7C-FBCB-4579-B7F7-915C74052161}" type="datetimeFigureOut">
               <a:rPr lang="en-IN" smtClean="0"/>
-              <a:t>07-02-2020</a:t>
+              <a:t>08-02-2020</a:t>
             </a:fld>
             <a:endParaRPr lang="en-IN"/>
           </a:p>
@@ -12680,7 +12681,7 @@
           <a:p>
             <a:fld id="{C0905E7C-FBCB-4579-B7F7-915C74052161}" type="datetimeFigureOut">
               <a:rPr lang="en-IN" smtClean="0"/>
-              <a:t>07-02-2020</a:t>
+              <a:t>08-02-2020</a:t>
             </a:fld>
             <a:endParaRPr lang="en-IN"/>
           </a:p>
@@ -15889,6 +15890,339 @@
 </p:sld>
 </file>
 
+<file path=ppt/slides/slide17.xml><?xml version="1.0" encoding="utf-8"?>
+<p:sld xmlns:a="http://schemas.openxmlformats.org/drawingml/2006/main" xmlns:r="http://schemas.openxmlformats.org/officeDocument/2006/relationships" xmlns:p="http://schemas.openxmlformats.org/presentationml/2006/main">
+  <p:cSld>
+    <p:bg>
+      <p:bgPr>
+        <a:solidFill>
+          <a:schemeClr val="bg1"/>
+        </a:solidFill>
+        <a:effectLst/>
+      </p:bgPr>
+    </p:bg>
+    <p:spTree>
+      <p:nvGrpSpPr>
+        <p:cNvPr id="1" name=""/>
+        <p:cNvGrpSpPr/>
+        <p:nvPr/>
+      </p:nvGrpSpPr>
+      <p:grpSpPr>
+        <a:xfrm>
+          <a:off x="0" y="0"/>
+          <a:ext cx="0" cy="0"/>
+          <a:chOff x="0" y="0"/>
+          <a:chExt cx="0" cy="0"/>
+        </a:xfrm>
+      </p:grpSpPr>
+      <p:sp>
+        <p:nvSpPr>
+          <p:cNvPr id="8" name="Rectangle 7">
+            <a:extLst>
+              <a:ext uri="{FF2B5EF4-FFF2-40B4-BE49-F238E27FC236}">
+                <a16:creationId xmlns:a16="http://schemas.microsoft.com/office/drawing/2014/main" id="{23962611-DFD5-4092-AAFD-559E3DFCE2C9}"/>
+              </a:ext>
+              <a:ext uri="{C183D7F6-B498-43B3-948B-1728B52AA6E4}">
+                <adec:decorative xmlns:adec="http://schemas.microsoft.com/office/drawing/2017/decorative" val="1"/>
+              </a:ext>
+            </a:extLst>
+          </p:cNvPr>
+          <p:cNvSpPr>
+            <a:spLocks noGrp="1" noRot="1" noChangeAspect="1" noMove="1" noResize="1" noEditPoints="1" noAdjustHandles="1" noChangeArrowheads="1" noChangeShapeType="1" noTextEdit="1"/>
+          </p:cNvSpPr>
+          <p:nvPr>
+            <p:extLst>
+              <p:ext uri="{386F3935-93C4-4BCD-93E2-E3B085C9AB24}">
+                <p16:designElem xmlns:p16="http://schemas.microsoft.com/office/powerpoint/2015/main" val="1"/>
+              </p:ext>
+            </p:extLst>
+          </p:nvPr>
+        </p:nvSpPr>
+        <p:spPr>
+          <a:xfrm>
+            <a:off x="475488" y="0"/>
+            <a:ext cx="10910292" cy="6858000"/>
+          </a:xfrm>
+          <a:prstGeom prst="rect">
+            <a:avLst/>
+          </a:prstGeom>
+          <a:gradFill>
+            <a:gsLst>
+              <a:gs pos="0">
+                <a:schemeClr val="accent1">
+                  <a:lumMod val="90000"/>
+                </a:schemeClr>
+              </a:gs>
+              <a:gs pos="25000">
+                <a:schemeClr val="accent1">
+                  <a:lumMod val="90000"/>
+                </a:schemeClr>
+              </a:gs>
+              <a:gs pos="94000">
+                <a:schemeClr val="bg2">
+                  <a:lumMod val="25000"/>
+                </a:schemeClr>
+              </a:gs>
+              <a:gs pos="100000">
+                <a:schemeClr val="bg2">
+                  <a:lumMod val="25000"/>
+                </a:schemeClr>
+              </a:gs>
+            </a:gsLst>
+            <a:lin ang="4200000" scaled="0"/>
+          </a:gradFill>
+          <a:ln>
+            <a:noFill/>
+          </a:ln>
+        </p:spPr>
+        <p:style>
+          <a:lnRef idx="2">
+            <a:schemeClr val="accent1">
+              <a:shade val="50000"/>
+            </a:schemeClr>
+          </a:lnRef>
+          <a:fillRef idx="1">
+            <a:schemeClr val="accent1"/>
+          </a:fillRef>
+          <a:effectRef idx="0">
+            <a:schemeClr val="accent1"/>
+          </a:effectRef>
+          <a:fontRef idx="minor">
+            <a:schemeClr val="lt1"/>
+          </a:fontRef>
+        </p:style>
+        <p:txBody>
+          <a:bodyPr rtlCol="0" anchor="ctr"/>
+          <a:lstStyle/>
+          <a:p>
+            <a:pPr algn="ctr"/>
+            <a:endParaRPr lang="en-US"/>
+          </a:p>
+        </p:txBody>
+      </p:sp>
+      <p:pic>
+        <p:nvPicPr>
+          <p:cNvPr id="10" name="Picture 9">
+            <a:extLst>
+              <a:ext uri="{FF2B5EF4-FFF2-40B4-BE49-F238E27FC236}">
+                <a16:creationId xmlns:a16="http://schemas.microsoft.com/office/drawing/2014/main" id="{2270F1FA-0425-408F-9861-80BF5AFB276D}"/>
+              </a:ext>
+              <a:ext uri="{C183D7F6-B498-43B3-948B-1728B52AA6E4}">
+                <adec:decorative xmlns:adec="http://schemas.microsoft.com/office/drawing/2017/decorative" val="1"/>
+              </a:ext>
+            </a:extLst>
+          </p:cNvPr>
+          <p:cNvPicPr>
+            <a:picLocks noGrp="1" noRot="1" noChangeAspect="1" noMove="1" noResize="1" noEditPoints="1" noAdjustHandles="1" noChangeArrowheads="1" noChangeShapeType="1" noCrop="1"/>
+          </p:cNvPicPr>
+          <p:nvPr>
+            <p:extLst>
+              <p:ext uri="{386F3935-93C4-4BCD-93E2-E3B085C9AB24}">
+                <p16:designElem xmlns:p16="http://schemas.microsoft.com/office/powerpoint/2015/main" val="1"/>
+              </p:ext>
+            </p:extLst>
+          </p:nvPr>
+        </p:nvPicPr>
+        <p:blipFill>
+          <a:blip r:embed="rId2">
+            <a:extLst>
+              <a:ext uri="{28A0092B-C50C-407E-A947-70E740481C1C}">
+                <a14:useLocalDpi xmlns:a14="http://schemas.microsoft.com/office/drawing/2010/main" val="0"/>
+              </a:ext>
+            </a:extLst>
+          </a:blip>
+          <a:stretch>
+            <a:fillRect/>
+          </a:stretch>
+        </p:blipFill>
+        <p:spPr>
+          <a:xfrm>
+            <a:off x="0" y="0"/>
+            <a:ext cx="12192000" cy="6858000"/>
+          </a:xfrm>
+          <a:prstGeom prst="rect">
+            <a:avLst/>
+          </a:prstGeom>
+        </p:spPr>
+      </p:pic>
+      <p:sp>
+        <p:nvSpPr>
+          <p:cNvPr id="2" name="Title 1">
+            <a:extLst>
+              <a:ext uri="{FF2B5EF4-FFF2-40B4-BE49-F238E27FC236}">
+                <a16:creationId xmlns:a16="http://schemas.microsoft.com/office/drawing/2014/main" id="{C4AF3840-A999-475D-B565-6DEF8E30E42D}"/>
+              </a:ext>
+            </a:extLst>
+          </p:cNvPr>
+          <p:cNvSpPr>
+            <a:spLocks noGrp="1"/>
+          </p:cNvSpPr>
+          <p:nvPr>
+            <p:ph type="title"/>
+          </p:nvPr>
+        </p:nvSpPr>
+        <p:spPr>
+          <a:xfrm>
+            <a:off x="3045368" y="2043663"/>
+            <a:ext cx="6105194" cy="1558853"/>
+          </a:xfrm>
+        </p:spPr>
+        <p:txBody>
+          <a:bodyPr vert="horz" lIns="91440" tIns="45720" rIns="91440" bIns="45720" rtlCol="0" anchor="b">
+            <a:normAutofit/>
+          </a:bodyPr>
+          <a:lstStyle/>
+          <a:p>
+            <a:pPr algn="ctr"/>
+            <a:r>
+              <a:rPr lang="en-US" sz="6000" b="1" kern="1200" dirty="0">
+                <a:solidFill>
+                  <a:srgbClr val="FFFFFF"/>
+                </a:solidFill>
+                <a:latin typeface="+mj-lt"/>
+                <a:ea typeface="+mj-ea"/>
+                <a:cs typeface="+mj-cs"/>
+              </a:rPr>
+              <a:t>THANK YOU</a:t>
+            </a:r>
+          </a:p>
+        </p:txBody>
+      </p:sp>
+      <p:sp>
+        <p:nvSpPr>
+          <p:cNvPr id="3" name="Content Placeholder 2">
+            <a:extLst>
+              <a:ext uri="{FF2B5EF4-FFF2-40B4-BE49-F238E27FC236}">
+                <a16:creationId xmlns:a16="http://schemas.microsoft.com/office/drawing/2014/main" id="{BD54FB94-7963-489D-85AA-A97BFD68C2BA}"/>
+              </a:ext>
+            </a:extLst>
+          </p:cNvPr>
+          <p:cNvSpPr>
+            <a:spLocks noGrp="1"/>
+          </p:cNvSpPr>
+          <p:nvPr>
+            <p:ph idx="1"/>
+          </p:nvPr>
+        </p:nvSpPr>
+        <p:spPr>
+          <a:xfrm>
+            <a:off x="2749228" y="3605270"/>
+            <a:ext cx="6693543" cy="1429439"/>
+          </a:xfrm>
+        </p:spPr>
+        <p:txBody>
+          <a:bodyPr vert="horz" lIns="91440" tIns="45720" rIns="91440" bIns="45720" rtlCol="0">
+            <a:normAutofit fontScale="92500"/>
+          </a:bodyPr>
+          <a:lstStyle/>
+          <a:p>
+            <a:pPr marL="0" indent="0" algn="ctr">
+              <a:buNone/>
+            </a:pPr>
+            <a:r>
+              <a:rPr lang="en-US" sz="2400" b="1" kern="1200" dirty="0">
+                <a:solidFill>
+                  <a:schemeClr val="bg1"/>
+                </a:solidFill>
+                <a:latin typeface="+mn-lt"/>
+                <a:ea typeface="+mn-ea"/>
+                <a:cs typeface="+mn-cs"/>
+                <a:hlinkClick r:id="rId3">
+                  <a:extLst>
+                    <a:ext uri="{A12FA001-AC4F-418D-AE19-62706E023703}">
+                      <ahyp:hlinkClr xmlns:ahyp="http://schemas.microsoft.com/office/drawing/2018/hyperlinkcolor" val="tx"/>
+                    </a:ext>
+                  </a:extLst>
+                </a:hlinkClick>
+              </a:rPr>
+              <a:t>ASHISH.GP10@GMAIL.COM</a:t>
+            </a:r>
+            <a:endParaRPr lang="en-US" sz="2400" b="1" kern="1200" dirty="0">
+              <a:solidFill>
+                <a:schemeClr val="bg1"/>
+              </a:solidFill>
+              <a:latin typeface="+mn-lt"/>
+              <a:ea typeface="+mn-ea"/>
+              <a:cs typeface="+mn-cs"/>
+            </a:endParaRPr>
+          </a:p>
+          <a:p>
+            <a:pPr marL="0" indent="0" algn="ctr">
+              <a:buNone/>
+            </a:pPr>
+            <a:r>
+              <a:rPr lang="en-IN" sz="2400" b="1" dirty="0">
+                <a:solidFill>
+                  <a:schemeClr val="bg1"/>
+                </a:solidFill>
+                <a:hlinkClick r:id="rId4">
+                  <a:extLst>
+                    <a:ext uri="{A12FA001-AC4F-418D-AE19-62706E023703}">
+                      <ahyp:hlinkClr xmlns:ahyp="http://schemas.microsoft.com/office/drawing/2018/hyperlinkcolor" val="tx"/>
+                    </a:ext>
+                  </a:extLst>
+                </a:hlinkClick>
+              </a:rPr>
+              <a:t>https://www.linkedin.com/in/ashish-gupta-405b1b47/</a:t>
+            </a:r>
+            <a:endParaRPr lang="en-IN" sz="2400" b="1" dirty="0">
+              <a:solidFill>
+                <a:schemeClr val="bg1"/>
+              </a:solidFill>
+            </a:endParaRPr>
+          </a:p>
+          <a:p>
+            <a:pPr marL="0" indent="0" algn="ctr">
+              <a:buNone/>
+            </a:pPr>
+            <a:r>
+              <a:rPr lang="en-IN" sz="2400" b="1" kern="1200" dirty="0">
+                <a:solidFill>
+                  <a:schemeClr val="bg1"/>
+                </a:solidFill>
+                <a:latin typeface="+mn-lt"/>
+                <a:ea typeface="+mn-ea"/>
+                <a:cs typeface="+mn-cs"/>
+              </a:rPr>
+              <a:t>7022450444</a:t>
+            </a:r>
+            <a:endParaRPr lang="en-US" sz="2400" b="1" kern="1200" dirty="0">
+              <a:solidFill>
+                <a:schemeClr val="bg1"/>
+              </a:solidFill>
+              <a:latin typeface="+mn-lt"/>
+              <a:ea typeface="+mn-ea"/>
+              <a:cs typeface="+mn-cs"/>
+            </a:endParaRPr>
+          </a:p>
+          <a:p>
+            <a:pPr marL="0" indent="0" algn="ctr">
+              <a:buNone/>
+            </a:pPr>
+            <a:endParaRPr lang="en-US" sz="2400" b="1" kern="1200" dirty="0">
+              <a:solidFill>
+                <a:schemeClr val="bg1"/>
+              </a:solidFill>
+              <a:latin typeface="+mn-lt"/>
+              <a:ea typeface="+mn-ea"/>
+              <a:cs typeface="+mn-cs"/>
+            </a:endParaRPr>
+          </a:p>
+        </p:txBody>
+      </p:sp>
+    </p:spTree>
+    <p:extLst>
+      <p:ext uri="{BB962C8B-B14F-4D97-AF65-F5344CB8AC3E}">
+        <p14:creationId xmlns:p14="http://schemas.microsoft.com/office/powerpoint/2010/main" val="4216813203"/>
+      </p:ext>
+    </p:extLst>
+  </p:cSld>
+  <p:clrMapOvr>
+    <a:masterClrMapping/>
+  </p:clrMapOvr>
+</p:sld>
+</file>
+
 <file path=ppt/slides/slide2.xml><?xml version="1.0" encoding="utf-8"?>
 <p:sld xmlns:a="http://schemas.openxmlformats.org/drawingml/2006/main" xmlns:r="http://schemas.openxmlformats.org/officeDocument/2006/relationships" xmlns:p="http://schemas.openxmlformats.org/presentationml/2006/main">
   <p:cSld>
@@ -16101,7 +16435,7 @@
             <p:ph idx="1"/>
             <p:extLst>
               <p:ext uri="{D42A27DB-BD31-4B8C-83A1-F6EECF244321}">
-                <p14:modId xmlns:p14="http://schemas.microsoft.com/office/powerpoint/2010/main" val="3430702136"/>
+                <p14:modId xmlns:p14="http://schemas.microsoft.com/office/powerpoint/2010/main" val="2109022248"/>
               </p:ext>
             </p:extLst>
           </p:nvPr>
@@ -16796,7 +17130,7 @@
                   <a:srgbClr val="000000"/>
                 </a:solidFill>
               </a:rPr>
-              <a:t>These algorithms can be used to detect and recognize faces, identify objects, classify human actions in videos, track camera movements, track moving objects, extract 3D models of objects, produce 3D point clouds from stereo cameras, stitch images together to produce a high resolution image of an entire scene </a:t>
+              <a:t>These algorithms can be used to detect and recognize faces, identify objects, classify human actions in videos, track camera movements, track moving objects, extract 3D models of objects, produce 3D point clouds from stereo cameras, stitch images together to produce a high-resolution image of an entire scene </a:t>
             </a:r>
           </a:p>
           <a:p>
@@ -17848,14 +18182,14 @@
           <a:p>
             <a:pPr algn="ctr"/>
             <a:r>
-              <a:rPr lang="en-US" sz="4000" b="1">
+              <a:rPr lang="en-US" sz="4000" b="1" dirty="0">
                 <a:solidFill>
                   <a:srgbClr val="FFFFFF"/>
                 </a:solidFill>
               </a:rPr>
-              <a:t>MedianBlur		</a:t>
+              <a:t>Gray Scale</a:t>
             </a:r>
-            <a:endParaRPr lang="en-IN" sz="4000" b="1">
+            <a:endParaRPr lang="en-IN" sz="4000" b="1" dirty="0">
               <a:solidFill>
                 <a:srgbClr val="FFFFFF"/>
               </a:solidFill>
@@ -17917,7 +18251,7 @@
                   <a:srgbClr val="000000"/>
                 </a:solidFill>
               </a:rPr>
-              <a:t>Whereas color image usually is a 24 bit image with 8bits of Red, 8 bits of Green, 8bits for blue information. Combination of these three basic colors can create 16,777,216 color combinations for a pixel</a:t>
+              <a:t>Whereas color image usually is a 24-bit image with 8bits of Red, 8 bits of Green, 8bits for blue information. Combination of these three basic colors can create 16,777,216 color combinations for a pixel</a:t>
             </a:r>
           </a:p>
         </p:txBody>

--- a/OCR.pptx
+++ b/OCR.pptx
@@ -16075,7 +16075,7 @@
           <a:p>
             <a:pPr algn="ctr"/>
             <a:r>
-              <a:rPr lang="en-US" sz="6000" b="1" kern="1200" dirty="0">
+              <a:rPr lang="en-US" sz="6000" b="1" kern="1200">
                 <a:solidFill>
                   <a:srgbClr val="FFFFFF"/>
                 </a:solidFill>
@@ -16085,6 +16085,14 @@
               </a:rPr>
               <a:t>THANK YOU</a:t>
             </a:r>
+            <a:endParaRPr lang="en-US" sz="6000" b="1" kern="1200" dirty="0">
+              <a:solidFill>
+                <a:srgbClr val="FFFFFF"/>
+              </a:solidFill>
+              <a:latin typeface="+mj-lt"/>
+              <a:ea typeface="+mj-ea"/>
+              <a:cs typeface="+mj-cs"/>
+            </a:endParaRPr>
           </a:p>
         </p:txBody>
       </p:sp>
@@ -16120,7 +16128,7 @@
               <a:buNone/>
             </a:pPr>
             <a:r>
-              <a:rPr lang="en-US" sz="2400" b="1" kern="1200" dirty="0">
+              <a:rPr lang="en-US" sz="2400" b="1" kern="1200">
                 <a:solidFill>
                   <a:schemeClr val="bg1"/>
                 </a:solidFill>
@@ -16137,7 +16145,7 @@
               </a:rPr>
               <a:t>ASHISH.GP10@GMAIL.COM</a:t>
             </a:r>
-            <a:endParaRPr lang="en-US" sz="2400" b="1" kern="1200" dirty="0">
+            <a:endParaRPr lang="en-US" sz="2400" b="1" kern="1200">
               <a:solidFill>
                 <a:schemeClr val="bg1"/>
               </a:solidFill>
@@ -16151,7 +16159,7 @@
               <a:buNone/>
             </a:pPr>
             <a:r>
-              <a:rPr lang="en-IN" sz="2400" b="1" dirty="0">
+              <a:rPr lang="en-IN" sz="2400" b="1">
                 <a:solidFill>
                   <a:schemeClr val="bg1"/>
                 </a:solidFill>
@@ -16165,7 +16173,7 @@
               </a:rPr>
               <a:t>https://www.linkedin.com/in/ashish-gupta-405b1b47/</a:t>
             </a:r>
-            <a:endParaRPr lang="en-IN" sz="2400" b="1" dirty="0">
+            <a:endParaRPr lang="en-IN" sz="2400" b="1">
               <a:solidFill>
                 <a:schemeClr val="bg1"/>
               </a:solidFill>
@@ -16176,7 +16184,7 @@
               <a:buNone/>
             </a:pPr>
             <a:r>
-              <a:rPr lang="en-IN" sz="2400" b="1" kern="1200" dirty="0">
+              <a:rPr lang="en-IN" sz="2400" b="1" kern="1200">
                 <a:solidFill>
                   <a:schemeClr val="bg1"/>
                 </a:solidFill>
@@ -16186,7 +16194,7 @@
               </a:rPr>
               <a:t>7022450444</a:t>
             </a:r>
-            <a:endParaRPr lang="en-US" sz="2400" b="1" kern="1200" dirty="0">
+            <a:endParaRPr lang="en-US" sz="2400" b="1" kern="1200">
               <a:solidFill>
                 <a:schemeClr val="bg1"/>
               </a:solidFill>
@@ -16210,6 +16218,66 @@
           </a:p>
         </p:txBody>
       </p:sp>
+      <p:pic>
+        <p:nvPicPr>
+          <p:cNvPr id="5" name="Picture 4" descr="A person posing for the camera&#10;&#10;Description automatically generated">
+            <a:extLst>
+              <a:ext uri="{FF2B5EF4-FFF2-40B4-BE49-F238E27FC236}">
+                <a16:creationId xmlns:a16="http://schemas.microsoft.com/office/drawing/2014/main" id="{66A2B5C2-01A3-4C53-A8E2-6FB9AB652803}"/>
+              </a:ext>
+            </a:extLst>
+          </p:cNvPr>
+          <p:cNvPicPr>
+            <a:picLocks noChangeAspect="1"/>
+          </p:cNvPicPr>
+          <p:nvPr/>
+        </p:nvPicPr>
+        <p:blipFill>
+          <a:blip r:embed="rId5">
+            <a:extLst>
+              <a:ext uri="{28A0092B-C50C-407E-A947-70E740481C1C}">
+                <a14:useLocalDpi xmlns:a14="http://schemas.microsoft.com/office/drawing/2010/main" val="0"/>
+              </a:ext>
+            </a:extLst>
+          </a:blip>
+          <a:stretch>
+            <a:fillRect/>
+          </a:stretch>
+        </p:blipFill>
+        <p:spPr>
+          <a:xfrm>
+            <a:off x="5055365" y="850135"/>
+            <a:ext cx="1905000" cy="1905000"/>
+          </a:xfrm>
+          <a:prstGeom prst="ellipse">
+            <a:avLst/>
+          </a:prstGeom>
+          <a:ln w="63500" cap="rnd">
+            <a:solidFill>
+              <a:srgbClr val="333333"/>
+            </a:solidFill>
+          </a:ln>
+          <a:effectLst>
+            <a:outerShdw blurRad="381000" dist="292100" dir="5400000" sx="-80000" sy="-18000" rotWithShape="0">
+              <a:srgbClr val="000000">
+                <a:alpha val="22000"/>
+              </a:srgbClr>
+            </a:outerShdw>
+          </a:effectLst>
+          <a:scene3d>
+            <a:camera prst="orthographicFront"/>
+            <a:lightRig rig="contrasting" dir="t">
+              <a:rot lat="0" lon="0" rev="3000000"/>
+            </a:lightRig>
+          </a:scene3d>
+          <a:sp3d contourW="7620">
+            <a:bevelT w="95250" h="31750"/>
+            <a:contourClr>
+              <a:srgbClr val="333333"/>
+            </a:contourClr>
+          </a:sp3d>
+        </p:spPr>
+      </p:pic>
     </p:spTree>
     <p:extLst>
       <p:ext uri="{BB962C8B-B14F-4D97-AF65-F5344CB8AC3E}">
